--- a/data structure.pptx
+++ b/data structure.pptx
@@ -11,14 +11,18 @@
     <p:sldId id="259" r:id="rId5"/>
     <p:sldId id="260" r:id="rId6"/>
     <p:sldId id="261" r:id="rId7"/>
-    <p:sldId id="262" r:id="rId8"/>
-    <p:sldId id="263" r:id="rId9"/>
-    <p:sldId id="264" r:id="rId10"/>
-    <p:sldId id="265" r:id="rId11"/>
-    <p:sldId id="266" r:id="rId12"/>
-    <p:sldId id="267" r:id="rId13"/>
-    <p:sldId id="268" r:id="rId14"/>
-    <p:sldId id="269" r:id="rId15"/>
+    <p:sldId id="270" r:id="rId8"/>
+    <p:sldId id="262" r:id="rId9"/>
+    <p:sldId id="271" r:id="rId10"/>
+    <p:sldId id="263" r:id="rId11"/>
+    <p:sldId id="272" r:id="rId12"/>
+    <p:sldId id="264" r:id="rId13"/>
+    <p:sldId id="273" r:id="rId14"/>
+    <p:sldId id="265" r:id="rId15"/>
+    <p:sldId id="266" r:id="rId16"/>
+    <p:sldId id="267" r:id="rId17"/>
+    <p:sldId id="268" r:id="rId18"/>
+    <p:sldId id="269" r:id="rId19"/>
   </p:sldIdLst>
   <p:sldSz cx="12192000" cy="6858000"/>
   <p:notesSz cx="6858000" cy="9144000"/>
@@ -117,6 +121,11 @@
       </a:defRPr>
     </a:lvl9pPr>
   </p:defaultTextStyle>
+  <p:extLst>
+    <p:ext uri="{EFAFB233-063F-42B5-8137-9DF3F51BA10A}">
+      <p15:sldGuideLst xmlns:p15="http://schemas.microsoft.com/office/powerpoint/2012/main"/>
+    </p:ext>
+  </p:extLst>
 </p:presentation>
 </file>
 
@@ -451,7 +460,7 @@
           <a:p>
             <a:fld id="{FA8596CA-A49D-4232-902A-8A1A1545CD34}" type="datetimeFigureOut">
               <a:rPr lang="en-IN" smtClean="0"/>
-              <a:t>24-10-2024</a:t>
+              <a:t>27-10-2024</a:t>
             </a:fld>
             <a:endParaRPr lang="en-IN"/>
           </a:p>
@@ -775,7 +784,7 @@
           <a:p>
             <a:fld id="{FA8596CA-A49D-4232-902A-8A1A1545CD34}" type="datetimeFigureOut">
               <a:rPr lang="en-IN" smtClean="0"/>
-              <a:t>24-10-2024</a:t>
+              <a:t>27-10-2024</a:t>
             </a:fld>
             <a:endParaRPr lang="en-IN"/>
           </a:p>
@@ -1023,7 +1032,7 @@
           <a:p>
             <a:fld id="{FA8596CA-A49D-4232-902A-8A1A1545CD34}" type="datetimeFigureOut">
               <a:rPr lang="en-IN" smtClean="0"/>
-              <a:t>24-10-2024</a:t>
+              <a:t>27-10-2024</a:t>
             </a:fld>
             <a:endParaRPr lang="en-IN"/>
           </a:p>
@@ -1362,7 +1371,7 @@
           <a:p>
             <a:fld id="{FA8596CA-A49D-4232-902A-8A1A1545CD34}" type="datetimeFigureOut">
               <a:rPr lang="en-IN" smtClean="0"/>
-              <a:t>24-10-2024</a:t>
+              <a:t>27-10-2024</a:t>
             </a:fld>
             <a:endParaRPr lang="en-IN"/>
           </a:p>
@@ -1709,7 +1718,7 @@
           <a:p>
             <a:fld id="{FA8596CA-A49D-4232-902A-8A1A1545CD34}" type="datetimeFigureOut">
               <a:rPr lang="en-IN" smtClean="0"/>
-              <a:t>24-10-2024</a:t>
+              <a:t>27-10-2024</a:t>
             </a:fld>
             <a:endParaRPr lang="en-IN"/>
           </a:p>
@@ -2083,7 +2092,7 @@
           <a:p>
             <a:fld id="{FA8596CA-A49D-4232-902A-8A1A1545CD34}" type="datetimeFigureOut">
               <a:rPr lang="en-IN" smtClean="0"/>
-              <a:t>24-10-2024</a:t>
+              <a:t>27-10-2024</a:t>
             </a:fld>
             <a:endParaRPr lang="en-IN"/>
           </a:p>
@@ -2553,7 +2562,7 @@
           <a:p>
             <a:fld id="{FA8596CA-A49D-4232-902A-8A1A1545CD34}" type="datetimeFigureOut">
               <a:rPr lang="en-IN" smtClean="0"/>
-              <a:t>24-10-2024</a:t>
+              <a:t>27-10-2024</a:t>
             </a:fld>
             <a:endParaRPr lang="en-IN"/>
           </a:p>
@@ -2758,7 +2767,7 @@
           <a:p>
             <a:fld id="{FA8596CA-A49D-4232-902A-8A1A1545CD34}" type="datetimeFigureOut">
               <a:rPr lang="en-IN" smtClean="0"/>
-              <a:t>24-10-2024</a:t>
+              <a:t>27-10-2024</a:t>
             </a:fld>
             <a:endParaRPr lang="en-IN"/>
           </a:p>
@@ -2969,7 +2978,7 @@
           <a:p>
             <a:fld id="{FA8596CA-A49D-4232-902A-8A1A1545CD34}" type="datetimeFigureOut">
               <a:rPr lang="en-IN" smtClean="0"/>
-              <a:t>24-10-2024</a:t>
+              <a:t>27-10-2024</a:t>
             </a:fld>
             <a:endParaRPr lang="en-IN"/>
           </a:p>
@@ -3201,7 +3210,7 @@
           <a:p>
             <a:fld id="{FA8596CA-A49D-4232-902A-8A1A1545CD34}" type="datetimeFigureOut">
               <a:rPr lang="en-IN" smtClean="0"/>
-              <a:t>24-10-2024</a:t>
+              <a:t>27-10-2024</a:t>
             </a:fld>
             <a:endParaRPr lang="en-IN"/>
           </a:p>
@@ -3449,7 +3458,7 @@
           <a:p>
             <a:fld id="{FA8596CA-A49D-4232-902A-8A1A1545CD34}" type="datetimeFigureOut">
               <a:rPr lang="en-IN" smtClean="0"/>
-              <a:t>24-10-2024</a:t>
+              <a:t>27-10-2024</a:t>
             </a:fld>
             <a:endParaRPr lang="en-IN"/>
           </a:p>
@@ -3747,7 +3756,7 @@
           <a:p>
             <a:fld id="{FA8596CA-A49D-4232-902A-8A1A1545CD34}" type="datetimeFigureOut">
               <a:rPr lang="en-IN" smtClean="0"/>
-              <a:t>24-10-2024</a:t>
+              <a:t>27-10-2024</a:t>
             </a:fld>
             <a:endParaRPr lang="en-IN"/>
           </a:p>
@@ -4141,7 +4150,7 @@
           <a:p>
             <a:fld id="{FA8596CA-A49D-4232-902A-8A1A1545CD34}" type="datetimeFigureOut">
               <a:rPr lang="en-IN" smtClean="0"/>
-              <a:t>24-10-2024</a:t>
+              <a:t>27-10-2024</a:t>
             </a:fld>
             <a:endParaRPr lang="en-IN"/>
           </a:p>
@@ -4290,7 +4299,7 @@
           <a:p>
             <a:fld id="{FA8596CA-A49D-4232-902A-8A1A1545CD34}" type="datetimeFigureOut">
               <a:rPr lang="en-IN" smtClean="0"/>
-              <a:t>24-10-2024</a:t>
+              <a:t>27-10-2024</a:t>
             </a:fld>
             <a:endParaRPr lang="en-IN"/>
           </a:p>
@@ -4416,7 +4425,7 @@
           <a:p>
             <a:fld id="{FA8596CA-A49D-4232-902A-8A1A1545CD34}" type="datetimeFigureOut">
               <a:rPr lang="en-IN" smtClean="0"/>
-              <a:t>24-10-2024</a:t>
+              <a:t>27-10-2024</a:t>
             </a:fld>
             <a:endParaRPr lang="en-IN"/>
           </a:p>
@@ -4671,7 +4680,7 @@
           <a:p>
             <a:fld id="{FA8596CA-A49D-4232-902A-8A1A1545CD34}" type="datetimeFigureOut">
               <a:rPr lang="en-IN" smtClean="0"/>
-              <a:t>24-10-2024</a:t>
+              <a:t>27-10-2024</a:t>
             </a:fld>
             <a:endParaRPr lang="en-IN"/>
           </a:p>
@@ -4986,7 +4995,7 @@
           <a:p>
             <a:fld id="{FA8596CA-A49D-4232-902A-8A1A1545CD34}" type="datetimeFigureOut">
               <a:rPr lang="en-IN" smtClean="0"/>
-              <a:t>24-10-2024</a:t>
+              <a:t>27-10-2024</a:t>
             </a:fld>
             <a:endParaRPr lang="en-IN"/>
           </a:p>
@@ -5337,7 +5346,7 @@
           <a:p>
             <a:fld id="{FA8596CA-A49D-4232-902A-8A1A1545CD34}" type="datetimeFigureOut">
               <a:rPr lang="en-IN" smtClean="0"/>
-              <a:t>24-10-2024</a:t>
+              <a:t>27-10-2024</a:t>
             </a:fld>
             <a:endParaRPr lang="en-IN"/>
           </a:p>
@@ -5978,69 +5987,35 @@
       </p:grpSpPr>
       <p:sp>
         <p:nvSpPr>
-          <p:cNvPr id="2" name="Title 1"/>
-          <p:cNvSpPr>
-            <a:spLocks noGrp="1"/>
-          </p:cNvSpPr>
-          <p:nvPr>
-            <p:ph type="title"/>
+          <p:cNvPr id="3" name="Content Placeholder 2"/>
+          <p:cNvSpPr>
+            <a:spLocks noGrp="1"/>
+          </p:cNvSpPr>
+          <p:nvPr>
+            <p:ph idx="1"/>
           </p:nvPr>
         </p:nvSpPr>
         <p:spPr>
           <a:xfrm>
-            <a:off x="838200" y="365125"/>
-            <a:ext cx="10515600" cy="1172729"/>
+            <a:off x="879763" y="689551"/>
+            <a:ext cx="10515600" cy="5420303"/>
           </a:xfrm>
         </p:spPr>
         <p:txBody>
           <a:bodyPr/>
           <a:lstStyle/>
           <a:p>
+            <a:pPr marL="0" indent="0">
+              <a:buNone/>
+            </a:pPr>
             <a:r>
               <a:rPr lang="en-GB" dirty="0" smtClean="0"/>
-              <a:t>Basic Operation with Its Algorithm</a:t>
-            </a:r>
-            <a:endParaRPr lang="en-IN" dirty="0"/>
-          </a:p>
-        </p:txBody>
-      </p:sp>
-      <p:sp>
-        <p:nvSpPr>
-          <p:cNvPr id="3" name="Content Placeholder 2"/>
-          <p:cNvSpPr>
-            <a:spLocks noGrp="1"/>
-          </p:cNvSpPr>
-          <p:nvPr>
-            <p:ph idx="1"/>
-          </p:nvPr>
-        </p:nvSpPr>
-        <p:spPr>
-          <a:xfrm>
-            <a:off x="838200" y="1537854"/>
-            <a:ext cx="10515600" cy="4639109"/>
-          </a:xfrm>
-        </p:spPr>
-        <p:txBody>
-          <a:bodyPr>
-            <a:normAutofit/>
-          </a:bodyPr>
-          <a:lstStyle/>
-          <a:p>
-            <a:pPr marL="571500" indent="-571500">
-              <a:buFont typeface="+mj-lt"/>
-              <a:buAutoNum type="romanUcPeriod"/>
-            </a:pPr>
-            <a:endParaRPr lang="en-GB" dirty="0" smtClean="0"/>
-          </a:p>
-          <a:p>
-            <a:pPr marL="514350" indent="-514350" algn="ctr">
-              <a:buFont typeface="+mj-lt"/>
-              <a:buAutoNum type="alphaUcPeriod"/>
-            </a:pPr>
-            <a:r>
-              <a:rPr lang="en-GB" b="1" u="sng" dirty="0" smtClean="0">
-                <a:solidFill>
-                  <a:srgbClr val="FF0000"/>
+              <a:t>3. </a:t>
+            </a:r>
+            <a:r>
+              <a:rPr lang="en-IN" b="1" dirty="0" smtClean="0">
+                <a:solidFill>
+                  <a:srgbClr val="7030A0"/>
                 </a:solidFill>
                 <a:effectLst>
                   <a:outerShdw blurRad="38100" dist="38100" dir="2700000" algn="tl">
@@ -6050,136 +6025,109 @@
                   </a:outerShdw>
                 </a:effectLst>
               </a:rPr>
-              <a:t>Insertion </a:t>
-            </a:r>
-            <a:endParaRPr lang="en-GB" b="1" u="sng" dirty="0">
-              <a:solidFill>
-                <a:srgbClr val="FF0000"/>
-              </a:solidFill>
-              <a:effectLst>
-                <a:outerShdw blurRad="38100" dist="38100" dir="2700000" algn="tl">
-                  <a:srgbClr val="000000">
-                    <a:alpha val="43137"/>
-                  </a:srgbClr>
-                </a:outerShdw>
-              </a:effectLst>
-            </a:endParaRPr>
-          </a:p>
-          <a:p>
-            <a:pPr marL="571500" indent="-571500">
-              <a:buFont typeface="+mj-lt"/>
-              <a:buAutoNum type="romanUcPeriod"/>
-            </a:pPr>
+              <a:t>Circular Linked list</a:t>
+            </a:r>
+          </a:p>
+          <a:p>
+            <a:pPr>
+              <a:buFont typeface="Wingdings" panose="05000000000000000000" pitchFamily="2" charset="2"/>
+              <a:buChar char="q"/>
+            </a:pPr>
+            <a:r>
+              <a:rPr lang="en-GB" dirty="0"/>
+              <a:t> </a:t>
+            </a:r>
             <a:r>
               <a:rPr lang="en-GB" dirty="0" smtClean="0"/>
-              <a:t> </a:t>
-            </a:r>
-            <a:r>
-              <a:rPr lang="en-GB" b="1" i="1" dirty="0" smtClean="0">
-                <a:solidFill>
-                  <a:srgbClr val="0070C0"/>
-                </a:solidFill>
-                <a:effectLst>
-                  <a:outerShdw blurRad="38100" dist="38100" dir="2700000" algn="tl">
-                    <a:srgbClr val="000000">
-                      <a:alpha val="43137"/>
-                    </a:srgbClr>
-                  </a:outerShdw>
-                </a:effectLst>
-              </a:rPr>
-              <a:t>Insertion</a:t>
-            </a:r>
-            <a:r>
-              <a:rPr lang="en-GB" dirty="0" smtClean="0">
-                <a:solidFill>
-                  <a:srgbClr val="0070C0"/>
-                </a:solidFill>
-              </a:rPr>
-              <a:t> </a:t>
-            </a:r>
-            <a:r>
-              <a:rPr lang="en-GB" b="1" i="1" dirty="0" smtClean="0">
-                <a:solidFill>
-                  <a:srgbClr val="0070C0"/>
-                </a:solidFill>
-                <a:effectLst>
-                  <a:outerShdw blurRad="38100" dist="38100" dir="2700000" algn="tl">
-                    <a:srgbClr val="000000">
-                      <a:alpha val="43137"/>
-                    </a:srgbClr>
-                  </a:outerShdw>
-                </a:effectLst>
-              </a:rPr>
-              <a:t>At beginning</a:t>
-            </a:r>
-          </a:p>
-          <a:p>
-            <a:pPr marL="514350" indent="-514350">
-              <a:buFont typeface="+mj-lt"/>
-              <a:buAutoNum type="alphaLcPeriod"/>
+              <a:t>The last node points back to the first node.</a:t>
+            </a:r>
+          </a:p>
+          <a:p>
+            <a:pPr>
+              <a:buFont typeface="Wingdings" panose="05000000000000000000" pitchFamily="2" charset="2"/>
+              <a:buChar char="q"/>
             </a:pPr>
             <a:r>
               <a:rPr lang="en-GB" dirty="0" smtClean="0"/>
-              <a:t>Start</a:t>
-            </a:r>
-          </a:p>
-          <a:p>
-            <a:pPr marL="514350" indent="-514350">
-              <a:buFont typeface="+mj-lt"/>
-              <a:buAutoNum type="alphaLcPeriod"/>
-            </a:pPr>
-            <a:r>
-              <a:rPr lang="en-GB" dirty="0" smtClean="0"/>
-              <a:t>Create a new node</a:t>
-            </a:r>
-          </a:p>
-          <a:p>
-            <a:pPr marL="514350" indent="-514350">
-              <a:buFont typeface="+mj-lt"/>
-              <a:buAutoNum type="alphaLcPeriod"/>
-            </a:pPr>
-            <a:r>
-              <a:rPr lang="en-GB" dirty="0" smtClean="0"/>
-              <a:t>Set the new node’s data to given value</a:t>
-            </a:r>
-          </a:p>
-          <a:p>
-            <a:pPr marL="514350" indent="-514350">
-              <a:buFont typeface="+mj-lt"/>
-              <a:buAutoNum type="alphaLcPeriod"/>
-            </a:pPr>
-            <a:r>
-              <a:rPr lang="en-GB" dirty="0" smtClean="0"/>
-              <a:t>Set new node’s next to pointer to the current head</a:t>
-            </a:r>
-          </a:p>
-          <a:p>
-            <a:pPr marL="514350" indent="-514350">
-              <a:buFont typeface="+mj-lt"/>
-              <a:buAutoNum type="alphaLcPeriod"/>
-            </a:pPr>
-            <a:r>
-              <a:rPr lang="en-GB" dirty="0" smtClean="0"/>
-              <a:t>Update the head to print</a:t>
-            </a:r>
-          </a:p>
-          <a:p>
-            <a:pPr marL="514350" indent="-514350">
-              <a:buFont typeface="+mj-lt"/>
-              <a:buAutoNum type="alphaLcPeriod"/>
-            </a:pPr>
-            <a:r>
-              <a:rPr lang="en-GB" dirty="0" smtClean="0"/>
-              <a:t>Stop        </a:t>
-            </a:r>
-            <a:endParaRPr lang="en-IN" dirty="0"/>
+              <a:t>Useful for applications like round-robin scheduling.</a:t>
+            </a:r>
+          </a:p>
+          <a:p>
+            <a:pPr marL="0" indent="0">
+              <a:buNone/>
+            </a:pPr>
+            <a:endParaRPr lang="en-GB" dirty="0"/>
+          </a:p>
+          <a:p>
+            <a:pPr>
+              <a:buFont typeface="Wingdings" panose="05000000000000000000" pitchFamily="2" charset="2"/>
+              <a:buChar char="Ø"/>
+            </a:pPr>
+            <a:r>
+              <a:rPr lang="en-GB" b="1" dirty="0" err="1" smtClean="0"/>
+              <a:t>Struct</a:t>
+            </a:r>
+            <a:r>
+              <a:rPr lang="en-GB" b="1" dirty="0" smtClean="0"/>
+              <a:t> node</a:t>
+            </a:r>
+          </a:p>
+          <a:p>
+            <a:pPr marL="0" indent="0">
+              <a:buNone/>
+            </a:pPr>
+            <a:r>
+              <a:rPr lang="en-GB" b="1" dirty="0" smtClean="0"/>
+              <a:t>                 {</a:t>
+            </a:r>
+          </a:p>
+          <a:p>
+            <a:pPr marL="0" indent="0">
+              <a:buNone/>
+            </a:pPr>
+            <a:r>
+              <a:rPr lang="en-GB" b="1" dirty="0" smtClean="0"/>
+              <a:t>                    </a:t>
+            </a:r>
+            <a:r>
+              <a:rPr lang="en-GB" b="1" dirty="0" err="1" smtClean="0"/>
+              <a:t>int</a:t>
+            </a:r>
+            <a:r>
+              <a:rPr lang="en-GB" b="1" dirty="0" smtClean="0"/>
+              <a:t> data;</a:t>
+            </a:r>
+          </a:p>
+          <a:p>
+            <a:pPr marL="0" indent="0">
+              <a:buNone/>
+            </a:pPr>
+            <a:r>
+              <a:rPr lang="en-GB" b="1" dirty="0" smtClean="0"/>
+              <a:t>                    node* next;</a:t>
+            </a:r>
+          </a:p>
+          <a:p>
+            <a:pPr marL="0" indent="0">
+              <a:buNone/>
+            </a:pPr>
+            <a:r>
+              <a:rPr lang="en-GB" b="1" dirty="0" smtClean="0"/>
+              <a:t>                }</a:t>
+            </a:r>
+          </a:p>
+          <a:p>
+            <a:pPr marL="0" indent="0">
+              <a:buNone/>
+            </a:pPr>
+            <a:endParaRPr lang="en-GB" dirty="0" smtClean="0"/>
           </a:p>
         </p:txBody>
       </p:sp>
     </p:spTree>
     <p:extLst>
       <p:ext uri="{BB962C8B-B14F-4D97-AF65-F5344CB8AC3E}">
-        <p14:creationId xmlns:p14="http://schemas.microsoft.com/office/powerpoint/2010/main" val="2345480831"/>
+        <p14:creationId xmlns:p14="http://schemas.microsoft.com/office/powerpoint/2010/main" val="454548919"/>
       </p:ext>
     </p:extLst>
   </p:cSld>
@@ -6206,128 +6154,40 @@
           <a:chExt cx="0" cy="0"/>
         </a:xfrm>
       </p:grpSpPr>
-      <p:sp>
-        <p:nvSpPr>
-          <p:cNvPr id="3" name="Content Placeholder 2"/>
-          <p:cNvSpPr>
-            <a:spLocks noGrp="1"/>
-          </p:cNvSpPr>
-          <p:nvPr>
-            <p:ph idx="1"/>
-          </p:nvPr>
-        </p:nvSpPr>
+      <p:pic>
+        <p:nvPicPr>
+          <p:cNvPr id="5" name="Picture Placeholder 4"/>
+          <p:cNvPicPr>
+            <a:picLocks noGrp="1" noChangeAspect="1"/>
+          </p:cNvPicPr>
+          <p:nvPr>
+            <p:ph type="pic" idx="1"/>
+          </p:nvPr>
+        </p:nvPicPr>
+        <p:blipFill>
+          <a:blip r:embed="rId2">
+            <a:extLst>
+              <a:ext uri="{28A0092B-C50C-407E-A947-70E740481C1C}">
+                <a14:useLocalDpi xmlns:a14="http://schemas.microsoft.com/office/drawing/2010/main" val="0"/>
+              </a:ext>
+            </a:extLst>
+          </a:blip>
+          <a:srcRect t="4130" b="4130"/>
+          <a:stretch>
+            <a:fillRect/>
+          </a:stretch>
+        </p:blipFill>
         <p:spPr>
           <a:xfrm>
-            <a:off x="838200" y="845127"/>
-            <a:ext cx="10515600" cy="5331836"/>
+            <a:off x="1027572" y="1775690"/>
+            <a:ext cx="10105972" cy="3516746"/>
           </a:xfrm>
         </p:spPr>
-        <p:txBody>
-          <a:bodyPr/>
-          <a:lstStyle/>
-          <a:p>
-            <a:pPr marL="571500" indent="-571500">
-              <a:buAutoNum type="romanUcPeriod" startAt="2"/>
-            </a:pPr>
-            <a:r>
-              <a:rPr lang="en-GB" b="1" i="1" dirty="0" smtClean="0">
-                <a:solidFill>
-                  <a:srgbClr val="0070C0"/>
-                </a:solidFill>
-                <a:effectLst>
-                  <a:outerShdw blurRad="38100" dist="38100" dir="2700000" algn="tl">
-                    <a:srgbClr val="000000">
-                      <a:alpha val="43137"/>
-                    </a:srgbClr>
-                  </a:outerShdw>
-                </a:effectLst>
-              </a:rPr>
-              <a:t>Insertion At The End</a:t>
-            </a:r>
-          </a:p>
-          <a:p>
-            <a:pPr marL="514350" indent="-514350">
-              <a:buFont typeface="+mj-lt"/>
-              <a:buAutoNum type="alphaLcPeriod"/>
-            </a:pPr>
-            <a:r>
-              <a:rPr lang="en-GB" dirty="0" smtClean="0"/>
-              <a:t>Start</a:t>
-            </a:r>
-          </a:p>
-          <a:p>
-            <a:pPr marL="514350" indent="-514350">
-              <a:buFont typeface="+mj-lt"/>
-              <a:buAutoNum type="alphaLcPeriod"/>
-            </a:pPr>
-            <a:r>
-              <a:rPr lang="en-GB" dirty="0" smtClean="0"/>
-              <a:t>Create a new node</a:t>
-            </a:r>
-          </a:p>
-          <a:p>
-            <a:pPr marL="514350" indent="-514350">
-              <a:buFont typeface="+mj-lt"/>
-              <a:buAutoNum type="alphaLcPeriod"/>
-            </a:pPr>
-            <a:r>
-              <a:rPr lang="en-GB" dirty="0" smtClean="0"/>
-              <a:t>Set the new node’s data to the given value</a:t>
-            </a:r>
-          </a:p>
-          <a:p>
-            <a:pPr marL="514350" indent="-514350">
-              <a:buFont typeface="+mj-lt"/>
-              <a:buAutoNum type="alphaLcPeriod"/>
-            </a:pPr>
-            <a:r>
-              <a:rPr lang="en-GB" dirty="0" smtClean="0"/>
-              <a:t>Set the new node’s next to Null</a:t>
-            </a:r>
-          </a:p>
-          <a:p>
-            <a:pPr marL="514350" indent="-514350">
-              <a:buFont typeface="+mj-lt"/>
-              <a:buAutoNum type="alphaLcPeriod"/>
-            </a:pPr>
-            <a:r>
-              <a:rPr lang="en-GB" dirty="0" smtClean="0"/>
-              <a:t>If the list is empty, set the head to point to the new node</a:t>
-            </a:r>
-          </a:p>
-          <a:p>
-            <a:pPr marL="514350" indent="-514350">
-              <a:buFont typeface="+mj-lt"/>
-              <a:buAutoNum type="alphaLcPeriod"/>
-            </a:pPr>
-            <a:r>
-              <a:rPr lang="en-GB" dirty="0" smtClean="0"/>
-              <a:t>Else, traverse to the last node and set the last node’s next to the new node</a:t>
-            </a:r>
-          </a:p>
-          <a:p>
-            <a:pPr marL="514350" indent="-514350">
-              <a:buFont typeface="+mj-lt"/>
-              <a:buAutoNum type="alphaLcPeriod"/>
-            </a:pPr>
-            <a:r>
-              <a:rPr lang="en-GB" dirty="0" smtClean="0"/>
-              <a:t>Stop </a:t>
-            </a:r>
-          </a:p>
-          <a:p>
-            <a:pPr marL="514350" indent="-514350">
-              <a:buFont typeface="+mj-lt"/>
-              <a:buAutoNum type="alphaLcParenR"/>
-            </a:pPr>
-            <a:endParaRPr lang="en-IN" dirty="0"/>
-          </a:p>
-        </p:txBody>
-      </p:sp>
+      </p:pic>
     </p:spTree>
     <p:extLst>
       <p:ext uri="{BB962C8B-B14F-4D97-AF65-F5344CB8AC3E}">
-        <p14:creationId xmlns:p14="http://schemas.microsoft.com/office/powerpoint/2010/main" val="587791293"/>
+        <p14:creationId xmlns:p14="http://schemas.microsoft.com/office/powerpoint/2010/main" val="40709681"/>
       </p:ext>
     </p:extLst>
   </p:cSld>
@@ -6366,48 +6226,27 @@
         </p:nvSpPr>
         <p:spPr>
           <a:xfrm>
-            <a:off x="838200" y="554182"/>
-            <a:ext cx="10515600" cy="5622781"/>
+            <a:off x="824346" y="775854"/>
+            <a:ext cx="10647218" cy="5484236"/>
           </a:xfrm>
         </p:spPr>
         <p:txBody>
-          <a:bodyPr/>
+          <a:bodyPr>
+            <a:normAutofit lnSpcReduction="10000"/>
+          </a:bodyPr>
           <a:lstStyle/>
           <a:p>
-            <a:pPr marL="0" indent="0" algn="ctr">
-              <a:buNone/>
-            </a:pPr>
-            <a:r>
-              <a:rPr lang="en-GB" dirty="0" smtClean="0">
-                <a:solidFill>
-                  <a:srgbClr val="FF0000"/>
-                </a:solidFill>
-              </a:rPr>
-              <a:t>B. </a:t>
-            </a:r>
-            <a:r>
-              <a:rPr lang="en-GB" b="1" i="1" u="sng" dirty="0" smtClean="0">
-                <a:solidFill>
-                  <a:srgbClr val="FF0000"/>
-                </a:solidFill>
-              </a:rPr>
-              <a:t>Deletion </a:t>
-            </a:r>
-            <a:endParaRPr lang="en-IN" b="1" i="1" u="sng" dirty="0" smtClean="0">
-              <a:solidFill>
-                <a:srgbClr val="FF0000"/>
-              </a:solidFill>
-            </a:endParaRPr>
-          </a:p>
-          <a:p>
-            <a:pPr marL="571500" indent="-571500">
-              <a:buFont typeface="+mj-lt"/>
-              <a:buAutoNum type="romanUcPeriod"/>
-            </a:pPr>
-            <a:r>
-              <a:rPr lang="en-GB" b="1" i="1" dirty="0" smtClean="0">
-                <a:solidFill>
-                  <a:srgbClr val="0070C0"/>
+            <a:pPr marL="0" indent="0">
+              <a:buNone/>
+            </a:pPr>
+            <a:r>
+              <a:rPr lang="en-GB" dirty="0" smtClean="0"/>
+              <a:t>4. </a:t>
+            </a:r>
+            <a:r>
+              <a:rPr lang="en-GB" b="1" dirty="0" smtClean="0">
+                <a:solidFill>
+                  <a:srgbClr val="7030A0"/>
                 </a:solidFill>
                 <a:effectLst>
                   <a:outerShdw blurRad="38100" dist="38100" dir="2700000" algn="tl">
@@ -6417,68 +6256,13 @@
                   </a:outerShdw>
                 </a:effectLst>
               </a:rPr>
-              <a:t>Deletion</a:t>
-            </a:r>
-            <a:r>
-              <a:rPr lang="en-GB" b="1" i="1" dirty="0" smtClean="0">
-                <a:effectLst>
-                  <a:outerShdw blurRad="38100" dist="38100" dir="2700000" algn="tl">
-                    <a:srgbClr val="000000">
-                      <a:alpha val="43137"/>
-                    </a:srgbClr>
-                  </a:outerShdw>
-                </a:effectLst>
-              </a:rPr>
-              <a:t> </a:t>
-            </a:r>
-            <a:r>
-              <a:rPr lang="en-GB" b="1" i="1" dirty="0" smtClean="0">
-                <a:solidFill>
-                  <a:srgbClr val="0070C0"/>
-                </a:solidFill>
-                <a:effectLst>
-                  <a:outerShdw blurRad="38100" dist="38100" dir="2700000" algn="tl">
-                    <a:srgbClr val="000000">
-                      <a:alpha val="43137"/>
-                    </a:srgbClr>
-                  </a:outerShdw>
-                </a:effectLst>
-              </a:rPr>
-              <a:t>at the beginning</a:t>
-            </a:r>
-          </a:p>
-          <a:p>
-            <a:pPr marL="514350" indent="-514350">
-              <a:buFont typeface="+mj-lt"/>
-              <a:buAutoNum type="alphaLcPeriod"/>
-            </a:pPr>
-            <a:r>
-              <a:rPr lang="en-GB" dirty="0" smtClean="0"/>
-              <a:t>Start </a:t>
-            </a:r>
-          </a:p>
-          <a:p>
-            <a:pPr marL="514350" indent="-514350">
-              <a:buFont typeface="+mj-lt"/>
-              <a:buAutoNum type="alphaLcPeriod"/>
-            </a:pPr>
-            <a:r>
-              <a:rPr lang="en-GB" dirty="0" smtClean="0"/>
-              <a:t>If head= Null</a:t>
-            </a:r>
-          </a:p>
-          <a:p>
-            <a:pPr marL="0" indent="0">
-              <a:buNone/>
-            </a:pPr>
-            <a:r>
-              <a:rPr lang="en-GB" dirty="0" smtClean="0"/>
-              <a:t>                    write over flow {go to step f }</a:t>
-            </a:r>
-          </a:p>
-          <a:p>
-            <a:pPr marL="0" indent="0">
-              <a:buNone/>
+              <a:t>Doubly Circular Linked list</a:t>
+            </a:r>
+          </a:p>
+          <a:p>
+            <a:pPr>
+              <a:buFont typeface="Wingdings" panose="05000000000000000000" pitchFamily="2" charset="2"/>
+              <a:buChar char="Ø"/>
             </a:pPr>
             <a:r>
               <a:rPr lang="en-GB" dirty="0"/>
@@ -6486,64 +6270,112 @@
             </a:r>
             <a:r>
               <a:rPr lang="en-GB" dirty="0" smtClean="0"/>
-              <a:t>                    [ end of if statement]</a:t>
-            </a:r>
-          </a:p>
-          <a:p>
-            <a:pPr marL="514350" indent="-514350">
-              <a:buAutoNum type="alphaLcPeriod" startAt="3"/>
+              <a:t>Combines features of both circular and doubly linked list.</a:t>
+            </a:r>
+          </a:p>
+          <a:p>
+            <a:pPr>
+              <a:buFont typeface="Wingdings" panose="05000000000000000000" pitchFamily="2" charset="2"/>
+              <a:buChar char="Ø"/>
             </a:pPr>
             <a:r>
               <a:rPr lang="en-GB" dirty="0" smtClean="0"/>
-              <a:t>Set </a:t>
-            </a:r>
-            <a:r>
-              <a:rPr lang="en-GB" dirty="0" err="1" smtClean="0"/>
-              <a:t>prt</a:t>
-            </a:r>
-            <a:r>
-              <a:rPr lang="en-GB" dirty="0" smtClean="0"/>
-              <a:t>= head</a:t>
-            </a:r>
-          </a:p>
-          <a:p>
-            <a:pPr marL="514350" indent="-514350">
-              <a:buAutoNum type="alphaLcPeriod" startAt="3"/>
-            </a:pPr>
-            <a:r>
-              <a:rPr lang="en-GB" dirty="0" smtClean="0"/>
-              <a:t>Set head= head_&gt; next</a:t>
-            </a:r>
-          </a:p>
-          <a:p>
-            <a:pPr marL="514350" indent="-514350">
-              <a:buAutoNum type="alphaLcPeriod" startAt="3"/>
-            </a:pPr>
-            <a:r>
-              <a:rPr lang="en-GB" dirty="0" smtClean="0"/>
-              <a:t>Free </a:t>
-            </a:r>
-            <a:r>
-              <a:rPr lang="en-GB" dirty="0" err="1" smtClean="0"/>
-              <a:t>prt</a:t>
-            </a:r>
+              <a:t>Each node had pointer to both the next and the previous nodes, and the last node points back to the first node.</a:t>
+            </a:r>
+          </a:p>
+          <a:p>
+            <a:pPr marL="0" indent="0">
+              <a:buNone/>
+            </a:pPr>
             <a:endParaRPr lang="en-GB" dirty="0" smtClean="0"/>
           </a:p>
           <a:p>
-            <a:pPr marL="514350" indent="-514350">
-              <a:buAutoNum type="alphaLcPeriod" startAt="3"/>
-            </a:pPr>
-            <a:r>
-              <a:rPr lang="en-GB" dirty="0" smtClean="0"/>
-              <a:t>Exist </a:t>
-            </a:r>
+            <a:pPr>
+              <a:buFont typeface="Wingdings" panose="05000000000000000000" pitchFamily="2" charset="2"/>
+              <a:buChar char="Ø"/>
+            </a:pPr>
+            <a:r>
+              <a:rPr lang="en-GB" b="1" dirty="0" err="1" smtClean="0"/>
+              <a:t>Struct</a:t>
+            </a:r>
+            <a:r>
+              <a:rPr lang="en-GB" b="1" dirty="0" smtClean="0"/>
+              <a:t> node</a:t>
+            </a:r>
+          </a:p>
+          <a:p>
+            <a:pPr marL="0" indent="0">
+              <a:buNone/>
+            </a:pPr>
+            <a:r>
+              <a:rPr lang="en-GB" b="1" dirty="0" smtClean="0"/>
+              <a:t>                 {</a:t>
+            </a:r>
+          </a:p>
+          <a:p>
+            <a:pPr marL="0" indent="0">
+              <a:buNone/>
+            </a:pPr>
+            <a:r>
+              <a:rPr lang="en-GB" b="1" dirty="0" smtClean="0"/>
+              <a:t>                    </a:t>
+            </a:r>
+            <a:r>
+              <a:rPr lang="en-GB" b="1" dirty="0" err="1" smtClean="0"/>
+              <a:t>int</a:t>
+            </a:r>
+            <a:r>
+              <a:rPr lang="en-GB" b="1" dirty="0" smtClean="0"/>
+              <a:t> data;</a:t>
+            </a:r>
+          </a:p>
+          <a:p>
+            <a:pPr marL="0" indent="0">
+              <a:buNone/>
+            </a:pPr>
+            <a:r>
+              <a:rPr lang="en-GB" b="1" dirty="0" smtClean="0"/>
+              <a:t>                    node* next;</a:t>
+            </a:r>
+          </a:p>
+          <a:p>
+            <a:pPr marL="0" indent="0">
+              <a:buNone/>
+            </a:pPr>
+            <a:r>
+              <a:rPr lang="en-GB" b="1" dirty="0" smtClean="0"/>
+              <a:t>                    node* </a:t>
+            </a:r>
+            <a:r>
+              <a:rPr lang="en-GB" b="1" dirty="0" err="1" smtClean="0"/>
+              <a:t>prev</a:t>
+            </a:r>
+            <a:r>
+              <a:rPr lang="en-GB" b="1" dirty="0" smtClean="0"/>
+              <a:t>;</a:t>
+            </a:r>
+          </a:p>
+          <a:p>
+            <a:pPr marL="0" indent="0">
+              <a:buNone/>
+            </a:pPr>
+            <a:r>
+              <a:rPr lang="en-GB" b="1" dirty="0" smtClean="0"/>
+              <a:t>                }</a:t>
+            </a:r>
+          </a:p>
+          <a:p>
+            <a:pPr marL="0" indent="0">
+              <a:buNone/>
+            </a:pPr>
+            <a:endParaRPr lang="en-GB" dirty="0" smtClean="0"/>
           </a:p>
         </p:txBody>
       </p:sp>
     </p:spTree>
     <p:extLst>
       <p:ext uri="{BB962C8B-B14F-4D97-AF65-F5344CB8AC3E}">
-        <p14:creationId xmlns:p14="http://schemas.microsoft.com/office/powerpoint/2010/main" val="2024309489"/>
+        <p14:creationId xmlns:p14="http://schemas.microsoft.com/office/powerpoint/2010/main" val="301615863"/>
       </p:ext>
     </p:extLst>
   </p:cSld>
@@ -6570,6 +6402,660 @@
           <a:chExt cx="0" cy="0"/>
         </a:xfrm>
       </p:grpSpPr>
+      <p:pic>
+        <p:nvPicPr>
+          <p:cNvPr id="11" name="Picture Placeholder 10"/>
+          <p:cNvPicPr>
+            <a:picLocks noGrp="1" noChangeAspect="1"/>
+          </p:cNvPicPr>
+          <p:nvPr>
+            <p:ph type="pic" idx="1"/>
+          </p:nvPr>
+        </p:nvPicPr>
+        <p:blipFill>
+          <a:blip r:embed="rId2">
+            <a:extLst>
+              <a:ext uri="{28A0092B-C50C-407E-A947-70E740481C1C}">
+                <a14:useLocalDpi xmlns:a14="http://schemas.microsoft.com/office/drawing/2010/main" val="0"/>
+              </a:ext>
+            </a:extLst>
+          </a:blip>
+          <a:srcRect t="823" b="823"/>
+          <a:stretch>
+            <a:fillRect/>
+          </a:stretch>
+        </p:blipFill>
+        <p:spPr>
+          <a:xfrm>
+            <a:off x="997884" y="1897742"/>
+            <a:ext cx="10105972" cy="3335869"/>
+          </a:xfrm>
+        </p:spPr>
+      </p:pic>
+    </p:spTree>
+    <p:extLst>
+      <p:ext uri="{BB962C8B-B14F-4D97-AF65-F5344CB8AC3E}">
+        <p14:creationId xmlns:p14="http://schemas.microsoft.com/office/powerpoint/2010/main" val="2295393903"/>
+      </p:ext>
+    </p:extLst>
+  </p:cSld>
+  <p:clrMapOvr>
+    <a:masterClrMapping/>
+  </p:clrMapOvr>
+</p:sld>
+</file>
+
+<file path=ppt/slides/slide14.xml><?xml version="1.0" encoding="utf-8"?>
+<p:sld xmlns:a="http://schemas.openxmlformats.org/drawingml/2006/main" xmlns:r="http://schemas.openxmlformats.org/officeDocument/2006/relationships" xmlns:p="http://schemas.openxmlformats.org/presentationml/2006/main">
+  <p:cSld>
+    <p:spTree>
+      <p:nvGrpSpPr>
+        <p:cNvPr id="1" name=""/>
+        <p:cNvGrpSpPr/>
+        <p:nvPr/>
+      </p:nvGrpSpPr>
+      <p:grpSpPr>
+        <a:xfrm>
+          <a:off x="0" y="0"/>
+          <a:ext cx="0" cy="0"/>
+          <a:chOff x="0" y="0"/>
+          <a:chExt cx="0" cy="0"/>
+        </a:xfrm>
+      </p:grpSpPr>
+      <p:sp>
+        <p:nvSpPr>
+          <p:cNvPr id="2" name="Title 1"/>
+          <p:cNvSpPr>
+            <a:spLocks noGrp="1"/>
+          </p:cNvSpPr>
+          <p:nvPr>
+            <p:ph type="title"/>
+          </p:nvPr>
+        </p:nvSpPr>
+        <p:spPr>
+          <a:xfrm>
+            <a:off x="838200" y="365125"/>
+            <a:ext cx="10515600" cy="1172729"/>
+          </a:xfrm>
+        </p:spPr>
+        <p:txBody>
+          <a:bodyPr/>
+          <a:lstStyle/>
+          <a:p>
+            <a:r>
+              <a:rPr lang="en-GB" dirty="0" smtClean="0"/>
+              <a:t>Basic Operation with Its Algorithm</a:t>
+            </a:r>
+            <a:endParaRPr lang="en-IN" dirty="0"/>
+          </a:p>
+        </p:txBody>
+      </p:sp>
+      <p:sp>
+        <p:nvSpPr>
+          <p:cNvPr id="3" name="Content Placeholder 2"/>
+          <p:cNvSpPr>
+            <a:spLocks noGrp="1"/>
+          </p:cNvSpPr>
+          <p:nvPr>
+            <p:ph idx="1"/>
+          </p:nvPr>
+        </p:nvSpPr>
+        <p:spPr>
+          <a:xfrm>
+            <a:off x="838200" y="1537854"/>
+            <a:ext cx="10515600" cy="4639109"/>
+          </a:xfrm>
+        </p:spPr>
+        <p:txBody>
+          <a:bodyPr>
+            <a:normAutofit/>
+          </a:bodyPr>
+          <a:lstStyle/>
+          <a:p>
+            <a:pPr marL="571500" indent="-571500">
+              <a:buFont typeface="+mj-lt"/>
+              <a:buAutoNum type="romanUcPeriod"/>
+            </a:pPr>
+            <a:endParaRPr lang="en-GB" dirty="0" smtClean="0"/>
+          </a:p>
+          <a:p>
+            <a:pPr marL="514350" indent="-514350" algn="ctr">
+              <a:buFont typeface="+mj-lt"/>
+              <a:buAutoNum type="alphaUcPeriod"/>
+            </a:pPr>
+            <a:r>
+              <a:rPr lang="en-GB" b="1" u="sng" dirty="0" smtClean="0">
+                <a:solidFill>
+                  <a:srgbClr val="FF0000"/>
+                </a:solidFill>
+                <a:effectLst>
+                  <a:outerShdw blurRad="38100" dist="38100" dir="2700000" algn="tl">
+                    <a:srgbClr val="000000">
+                      <a:alpha val="43137"/>
+                    </a:srgbClr>
+                  </a:outerShdw>
+                </a:effectLst>
+              </a:rPr>
+              <a:t>Insertion </a:t>
+            </a:r>
+            <a:endParaRPr lang="en-GB" b="1" u="sng" dirty="0">
+              <a:solidFill>
+                <a:srgbClr val="FF0000"/>
+              </a:solidFill>
+              <a:effectLst>
+                <a:outerShdw blurRad="38100" dist="38100" dir="2700000" algn="tl">
+                  <a:srgbClr val="000000">
+                    <a:alpha val="43137"/>
+                  </a:srgbClr>
+                </a:outerShdw>
+              </a:effectLst>
+            </a:endParaRPr>
+          </a:p>
+          <a:p>
+            <a:pPr marL="571500" indent="-571500">
+              <a:buFont typeface="+mj-lt"/>
+              <a:buAutoNum type="romanUcPeriod"/>
+            </a:pPr>
+            <a:r>
+              <a:rPr lang="en-GB" dirty="0" smtClean="0"/>
+              <a:t> </a:t>
+            </a:r>
+            <a:r>
+              <a:rPr lang="en-GB" b="1" i="1" dirty="0" smtClean="0">
+                <a:solidFill>
+                  <a:srgbClr val="0070C0"/>
+                </a:solidFill>
+                <a:effectLst>
+                  <a:outerShdw blurRad="38100" dist="38100" dir="2700000" algn="tl">
+                    <a:srgbClr val="000000">
+                      <a:alpha val="43137"/>
+                    </a:srgbClr>
+                  </a:outerShdw>
+                </a:effectLst>
+              </a:rPr>
+              <a:t>Insertion</a:t>
+            </a:r>
+            <a:r>
+              <a:rPr lang="en-GB" dirty="0" smtClean="0">
+                <a:solidFill>
+                  <a:srgbClr val="0070C0"/>
+                </a:solidFill>
+              </a:rPr>
+              <a:t> </a:t>
+            </a:r>
+            <a:r>
+              <a:rPr lang="en-GB" b="1" i="1" dirty="0" smtClean="0">
+                <a:solidFill>
+                  <a:srgbClr val="0070C0"/>
+                </a:solidFill>
+                <a:effectLst>
+                  <a:outerShdw blurRad="38100" dist="38100" dir="2700000" algn="tl">
+                    <a:srgbClr val="000000">
+                      <a:alpha val="43137"/>
+                    </a:srgbClr>
+                  </a:outerShdw>
+                </a:effectLst>
+              </a:rPr>
+              <a:t>At beginning</a:t>
+            </a:r>
+          </a:p>
+          <a:p>
+            <a:pPr marL="514350" indent="-514350">
+              <a:buFont typeface="+mj-lt"/>
+              <a:buAutoNum type="alphaLcPeriod"/>
+            </a:pPr>
+            <a:r>
+              <a:rPr lang="en-GB" dirty="0" smtClean="0"/>
+              <a:t>Start</a:t>
+            </a:r>
+          </a:p>
+          <a:p>
+            <a:pPr marL="514350" indent="-514350">
+              <a:buFont typeface="+mj-lt"/>
+              <a:buAutoNum type="alphaLcPeriod"/>
+            </a:pPr>
+            <a:r>
+              <a:rPr lang="en-GB" dirty="0" smtClean="0"/>
+              <a:t>Create a new node</a:t>
+            </a:r>
+          </a:p>
+          <a:p>
+            <a:pPr marL="514350" indent="-514350">
+              <a:buFont typeface="+mj-lt"/>
+              <a:buAutoNum type="alphaLcPeriod"/>
+            </a:pPr>
+            <a:r>
+              <a:rPr lang="en-GB" dirty="0" smtClean="0"/>
+              <a:t>Set the new node’s data to given value</a:t>
+            </a:r>
+          </a:p>
+          <a:p>
+            <a:pPr marL="514350" indent="-514350">
+              <a:buFont typeface="+mj-lt"/>
+              <a:buAutoNum type="alphaLcPeriod"/>
+            </a:pPr>
+            <a:r>
+              <a:rPr lang="en-GB" dirty="0" smtClean="0"/>
+              <a:t>Set new node’s next to pointer to the current head</a:t>
+            </a:r>
+          </a:p>
+          <a:p>
+            <a:pPr marL="514350" indent="-514350">
+              <a:buFont typeface="+mj-lt"/>
+              <a:buAutoNum type="alphaLcPeriod"/>
+            </a:pPr>
+            <a:r>
+              <a:rPr lang="en-GB" dirty="0" smtClean="0"/>
+              <a:t>Update the head to print</a:t>
+            </a:r>
+          </a:p>
+          <a:p>
+            <a:pPr marL="514350" indent="-514350">
+              <a:buFont typeface="+mj-lt"/>
+              <a:buAutoNum type="alphaLcPeriod"/>
+            </a:pPr>
+            <a:r>
+              <a:rPr lang="en-GB" dirty="0" smtClean="0"/>
+              <a:t>Stop        </a:t>
+            </a:r>
+            <a:endParaRPr lang="en-IN" dirty="0"/>
+          </a:p>
+        </p:txBody>
+      </p:sp>
+    </p:spTree>
+    <p:extLst>
+      <p:ext uri="{BB962C8B-B14F-4D97-AF65-F5344CB8AC3E}">
+        <p14:creationId xmlns:p14="http://schemas.microsoft.com/office/powerpoint/2010/main" val="2345480831"/>
+      </p:ext>
+    </p:extLst>
+  </p:cSld>
+  <p:clrMapOvr>
+    <a:masterClrMapping/>
+  </p:clrMapOvr>
+</p:sld>
+</file>
+
+<file path=ppt/slides/slide15.xml><?xml version="1.0" encoding="utf-8"?>
+<p:sld xmlns:a="http://schemas.openxmlformats.org/drawingml/2006/main" xmlns:r="http://schemas.openxmlformats.org/officeDocument/2006/relationships" xmlns:p="http://schemas.openxmlformats.org/presentationml/2006/main">
+  <p:cSld>
+    <p:spTree>
+      <p:nvGrpSpPr>
+        <p:cNvPr id="1" name=""/>
+        <p:cNvGrpSpPr/>
+        <p:nvPr/>
+      </p:nvGrpSpPr>
+      <p:grpSpPr>
+        <a:xfrm>
+          <a:off x="0" y="0"/>
+          <a:ext cx="0" cy="0"/>
+          <a:chOff x="0" y="0"/>
+          <a:chExt cx="0" cy="0"/>
+        </a:xfrm>
+      </p:grpSpPr>
+      <p:sp>
+        <p:nvSpPr>
+          <p:cNvPr id="3" name="Content Placeholder 2"/>
+          <p:cNvSpPr>
+            <a:spLocks noGrp="1"/>
+          </p:cNvSpPr>
+          <p:nvPr>
+            <p:ph idx="1"/>
+          </p:nvPr>
+        </p:nvSpPr>
+        <p:spPr>
+          <a:xfrm>
+            <a:off x="838200" y="845127"/>
+            <a:ext cx="10515600" cy="5331836"/>
+          </a:xfrm>
+        </p:spPr>
+        <p:txBody>
+          <a:bodyPr/>
+          <a:lstStyle/>
+          <a:p>
+            <a:pPr marL="571500" indent="-571500">
+              <a:buAutoNum type="romanUcPeriod" startAt="2"/>
+            </a:pPr>
+            <a:r>
+              <a:rPr lang="en-GB" b="1" i="1" dirty="0" smtClean="0">
+                <a:solidFill>
+                  <a:srgbClr val="0070C0"/>
+                </a:solidFill>
+                <a:effectLst>
+                  <a:outerShdw blurRad="38100" dist="38100" dir="2700000" algn="tl">
+                    <a:srgbClr val="000000">
+                      <a:alpha val="43137"/>
+                    </a:srgbClr>
+                  </a:outerShdw>
+                </a:effectLst>
+              </a:rPr>
+              <a:t>Insertion At The End</a:t>
+            </a:r>
+          </a:p>
+          <a:p>
+            <a:pPr marL="514350" indent="-514350">
+              <a:buFont typeface="+mj-lt"/>
+              <a:buAutoNum type="alphaLcPeriod"/>
+            </a:pPr>
+            <a:r>
+              <a:rPr lang="en-GB" dirty="0" smtClean="0"/>
+              <a:t>Start</a:t>
+            </a:r>
+          </a:p>
+          <a:p>
+            <a:pPr marL="514350" indent="-514350">
+              <a:buFont typeface="+mj-lt"/>
+              <a:buAutoNum type="alphaLcPeriod"/>
+            </a:pPr>
+            <a:r>
+              <a:rPr lang="en-GB" dirty="0" smtClean="0"/>
+              <a:t>Create a new node</a:t>
+            </a:r>
+          </a:p>
+          <a:p>
+            <a:pPr marL="514350" indent="-514350">
+              <a:buFont typeface="+mj-lt"/>
+              <a:buAutoNum type="alphaLcPeriod"/>
+            </a:pPr>
+            <a:r>
+              <a:rPr lang="en-GB" dirty="0" smtClean="0"/>
+              <a:t>Set the new node’s data to the given value</a:t>
+            </a:r>
+          </a:p>
+          <a:p>
+            <a:pPr marL="514350" indent="-514350">
+              <a:buFont typeface="+mj-lt"/>
+              <a:buAutoNum type="alphaLcPeriod"/>
+            </a:pPr>
+            <a:r>
+              <a:rPr lang="en-GB" dirty="0" smtClean="0"/>
+              <a:t>Set the new node’s next to Null</a:t>
+            </a:r>
+          </a:p>
+          <a:p>
+            <a:pPr marL="514350" indent="-514350">
+              <a:buFont typeface="+mj-lt"/>
+              <a:buAutoNum type="alphaLcPeriod"/>
+            </a:pPr>
+            <a:r>
+              <a:rPr lang="en-GB" dirty="0" smtClean="0"/>
+              <a:t>If the list is empty, set the head to point to the new node</a:t>
+            </a:r>
+          </a:p>
+          <a:p>
+            <a:pPr marL="514350" indent="-514350">
+              <a:buFont typeface="+mj-lt"/>
+              <a:buAutoNum type="alphaLcPeriod"/>
+            </a:pPr>
+            <a:r>
+              <a:rPr lang="en-GB" dirty="0" smtClean="0"/>
+              <a:t>Else, traverse to the last node and set the last node’s next to the new node</a:t>
+            </a:r>
+          </a:p>
+          <a:p>
+            <a:pPr marL="514350" indent="-514350">
+              <a:buFont typeface="+mj-lt"/>
+              <a:buAutoNum type="alphaLcPeriod"/>
+            </a:pPr>
+            <a:r>
+              <a:rPr lang="en-GB" dirty="0" smtClean="0"/>
+              <a:t>Stop </a:t>
+            </a:r>
+          </a:p>
+          <a:p>
+            <a:pPr marL="514350" indent="-514350">
+              <a:buFont typeface="+mj-lt"/>
+              <a:buAutoNum type="alphaLcParenR"/>
+            </a:pPr>
+            <a:endParaRPr lang="en-IN" dirty="0"/>
+          </a:p>
+        </p:txBody>
+      </p:sp>
+    </p:spTree>
+    <p:extLst>
+      <p:ext uri="{BB962C8B-B14F-4D97-AF65-F5344CB8AC3E}">
+        <p14:creationId xmlns:p14="http://schemas.microsoft.com/office/powerpoint/2010/main" val="587791293"/>
+      </p:ext>
+    </p:extLst>
+  </p:cSld>
+  <p:clrMapOvr>
+    <a:masterClrMapping/>
+  </p:clrMapOvr>
+</p:sld>
+</file>
+
+<file path=ppt/slides/slide16.xml><?xml version="1.0" encoding="utf-8"?>
+<p:sld xmlns:a="http://schemas.openxmlformats.org/drawingml/2006/main" xmlns:r="http://schemas.openxmlformats.org/officeDocument/2006/relationships" xmlns:p="http://schemas.openxmlformats.org/presentationml/2006/main">
+  <p:cSld>
+    <p:spTree>
+      <p:nvGrpSpPr>
+        <p:cNvPr id="1" name=""/>
+        <p:cNvGrpSpPr/>
+        <p:nvPr/>
+      </p:nvGrpSpPr>
+      <p:grpSpPr>
+        <a:xfrm>
+          <a:off x="0" y="0"/>
+          <a:ext cx="0" cy="0"/>
+          <a:chOff x="0" y="0"/>
+          <a:chExt cx="0" cy="0"/>
+        </a:xfrm>
+      </p:grpSpPr>
+      <p:sp>
+        <p:nvSpPr>
+          <p:cNvPr id="3" name="Content Placeholder 2"/>
+          <p:cNvSpPr>
+            <a:spLocks noGrp="1"/>
+          </p:cNvSpPr>
+          <p:nvPr>
+            <p:ph idx="1"/>
+          </p:nvPr>
+        </p:nvSpPr>
+        <p:spPr>
+          <a:xfrm>
+            <a:off x="838200" y="554182"/>
+            <a:ext cx="10515600" cy="5622781"/>
+          </a:xfrm>
+        </p:spPr>
+        <p:txBody>
+          <a:bodyPr/>
+          <a:lstStyle/>
+          <a:p>
+            <a:pPr marL="0" indent="0" algn="ctr">
+              <a:buNone/>
+            </a:pPr>
+            <a:r>
+              <a:rPr lang="en-GB" dirty="0" smtClean="0">
+                <a:solidFill>
+                  <a:srgbClr val="FF0000"/>
+                </a:solidFill>
+              </a:rPr>
+              <a:t>B. </a:t>
+            </a:r>
+            <a:r>
+              <a:rPr lang="en-GB" b="1" i="1" u="sng" dirty="0" smtClean="0">
+                <a:solidFill>
+                  <a:srgbClr val="FF0000"/>
+                </a:solidFill>
+              </a:rPr>
+              <a:t>Deletion </a:t>
+            </a:r>
+            <a:endParaRPr lang="en-IN" b="1" i="1" u="sng" dirty="0" smtClean="0">
+              <a:solidFill>
+                <a:srgbClr val="FF0000"/>
+              </a:solidFill>
+            </a:endParaRPr>
+          </a:p>
+          <a:p>
+            <a:pPr marL="571500" indent="-571500">
+              <a:buFont typeface="+mj-lt"/>
+              <a:buAutoNum type="romanUcPeriod"/>
+            </a:pPr>
+            <a:r>
+              <a:rPr lang="en-GB" b="1" i="1" dirty="0" smtClean="0">
+                <a:solidFill>
+                  <a:srgbClr val="0070C0"/>
+                </a:solidFill>
+                <a:effectLst>
+                  <a:outerShdw blurRad="38100" dist="38100" dir="2700000" algn="tl">
+                    <a:srgbClr val="000000">
+                      <a:alpha val="43137"/>
+                    </a:srgbClr>
+                  </a:outerShdw>
+                </a:effectLst>
+              </a:rPr>
+              <a:t>Deletion</a:t>
+            </a:r>
+            <a:r>
+              <a:rPr lang="en-GB" b="1" i="1" dirty="0" smtClean="0">
+                <a:effectLst>
+                  <a:outerShdw blurRad="38100" dist="38100" dir="2700000" algn="tl">
+                    <a:srgbClr val="000000">
+                      <a:alpha val="43137"/>
+                    </a:srgbClr>
+                  </a:outerShdw>
+                </a:effectLst>
+              </a:rPr>
+              <a:t> </a:t>
+            </a:r>
+            <a:r>
+              <a:rPr lang="en-GB" b="1" i="1" dirty="0" smtClean="0">
+                <a:solidFill>
+                  <a:srgbClr val="0070C0"/>
+                </a:solidFill>
+                <a:effectLst>
+                  <a:outerShdw blurRad="38100" dist="38100" dir="2700000" algn="tl">
+                    <a:srgbClr val="000000">
+                      <a:alpha val="43137"/>
+                    </a:srgbClr>
+                  </a:outerShdw>
+                </a:effectLst>
+              </a:rPr>
+              <a:t>at the beginning</a:t>
+            </a:r>
+          </a:p>
+          <a:p>
+            <a:pPr marL="514350" indent="-514350">
+              <a:buFont typeface="+mj-lt"/>
+              <a:buAutoNum type="alphaLcPeriod"/>
+            </a:pPr>
+            <a:r>
+              <a:rPr lang="en-GB" dirty="0" smtClean="0"/>
+              <a:t>Start </a:t>
+            </a:r>
+          </a:p>
+          <a:p>
+            <a:pPr marL="514350" indent="-514350">
+              <a:buFont typeface="+mj-lt"/>
+              <a:buAutoNum type="alphaLcPeriod"/>
+            </a:pPr>
+            <a:r>
+              <a:rPr lang="en-GB" dirty="0" smtClean="0"/>
+              <a:t>If head= Null</a:t>
+            </a:r>
+          </a:p>
+          <a:p>
+            <a:pPr marL="0" indent="0">
+              <a:buNone/>
+            </a:pPr>
+            <a:r>
+              <a:rPr lang="en-GB" dirty="0" smtClean="0"/>
+              <a:t>                    write over flow {go to step f }</a:t>
+            </a:r>
+          </a:p>
+          <a:p>
+            <a:pPr marL="0" indent="0">
+              <a:buNone/>
+            </a:pPr>
+            <a:r>
+              <a:rPr lang="en-GB" dirty="0"/>
+              <a:t> </a:t>
+            </a:r>
+            <a:r>
+              <a:rPr lang="en-GB" dirty="0" smtClean="0"/>
+              <a:t>                    [ end of if statement]</a:t>
+            </a:r>
+          </a:p>
+          <a:p>
+            <a:pPr marL="514350" indent="-514350">
+              <a:buAutoNum type="alphaLcPeriod" startAt="3"/>
+            </a:pPr>
+            <a:r>
+              <a:rPr lang="en-GB" dirty="0" smtClean="0"/>
+              <a:t>Set </a:t>
+            </a:r>
+            <a:r>
+              <a:rPr lang="en-GB" dirty="0" err="1" smtClean="0"/>
+              <a:t>prt</a:t>
+            </a:r>
+            <a:r>
+              <a:rPr lang="en-GB" dirty="0" smtClean="0"/>
+              <a:t>= head</a:t>
+            </a:r>
+          </a:p>
+          <a:p>
+            <a:pPr marL="514350" indent="-514350">
+              <a:buAutoNum type="alphaLcPeriod" startAt="3"/>
+            </a:pPr>
+            <a:r>
+              <a:rPr lang="en-GB" dirty="0" smtClean="0"/>
+              <a:t>Set head= head_&gt; next</a:t>
+            </a:r>
+          </a:p>
+          <a:p>
+            <a:pPr marL="514350" indent="-514350">
+              <a:buAutoNum type="alphaLcPeriod" startAt="3"/>
+            </a:pPr>
+            <a:r>
+              <a:rPr lang="en-GB" dirty="0" smtClean="0"/>
+              <a:t>Free </a:t>
+            </a:r>
+            <a:r>
+              <a:rPr lang="en-GB" dirty="0" err="1" smtClean="0"/>
+              <a:t>prt</a:t>
+            </a:r>
+            <a:endParaRPr lang="en-GB" dirty="0" smtClean="0"/>
+          </a:p>
+          <a:p>
+            <a:pPr marL="514350" indent="-514350">
+              <a:buAutoNum type="alphaLcPeriod" startAt="3"/>
+            </a:pPr>
+            <a:r>
+              <a:rPr lang="en-GB" dirty="0" smtClean="0"/>
+              <a:t>Exist </a:t>
+            </a:r>
+          </a:p>
+        </p:txBody>
+      </p:sp>
+    </p:spTree>
+    <p:extLst>
+      <p:ext uri="{BB962C8B-B14F-4D97-AF65-F5344CB8AC3E}">
+        <p14:creationId xmlns:p14="http://schemas.microsoft.com/office/powerpoint/2010/main" val="2024309489"/>
+      </p:ext>
+    </p:extLst>
+  </p:cSld>
+  <p:clrMapOvr>
+    <a:masterClrMapping/>
+  </p:clrMapOvr>
+</p:sld>
+</file>
+
+<file path=ppt/slides/slide17.xml><?xml version="1.0" encoding="utf-8"?>
+<p:sld xmlns:a="http://schemas.openxmlformats.org/drawingml/2006/main" xmlns:r="http://schemas.openxmlformats.org/officeDocument/2006/relationships" xmlns:p="http://schemas.openxmlformats.org/presentationml/2006/main">
+  <p:cSld>
+    <p:spTree>
+      <p:nvGrpSpPr>
+        <p:cNvPr id="1" name=""/>
+        <p:cNvGrpSpPr/>
+        <p:nvPr/>
+      </p:nvGrpSpPr>
+      <p:grpSpPr>
+        <a:xfrm>
+          <a:off x="0" y="0"/>
+          <a:ext cx="0" cy="0"/>
+          <a:chOff x="0" y="0"/>
+          <a:chExt cx="0" cy="0"/>
+        </a:xfrm>
+      </p:grpSpPr>
       <p:sp>
         <p:nvSpPr>
           <p:cNvPr id="3" name="Content Placeholder 2"/>
@@ -6815,7 +7301,7 @@
 </p:sld>
 </file>
 
-<file path=ppt/slides/slide14.xml><?xml version="1.0" encoding="utf-8"?>
+<file path=ppt/slides/slide18.xml><?xml version="1.0" encoding="utf-8"?>
 <p:sld xmlns:a="http://schemas.openxmlformats.org/drawingml/2006/main" xmlns:r="http://schemas.openxmlformats.org/officeDocument/2006/relationships" xmlns:p="http://schemas.openxmlformats.org/presentationml/2006/main">
   <p:cSld>
     <p:spTree>
@@ -8016,156 +8502,40 @@
           <a:chExt cx="0" cy="0"/>
         </a:xfrm>
       </p:grpSpPr>
-      <p:sp>
-        <p:nvSpPr>
-          <p:cNvPr id="3" name="Content Placeholder 2"/>
-          <p:cNvSpPr>
-            <a:spLocks noGrp="1"/>
-          </p:cNvSpPr>
-          <p:nvPr>
-            <p:ph idx="1"/>
-          </p:nvPr>
-        </p:nvSpPr>
+      <p:pic>
+        <p:nvPicPr>
+          <p:cNvPr id="5" name="Picture Placeholder 4"/>
+          <p:cNvPicPr>
+            <a:picLocks noGrp="1" noChangeAspect="1"/>
+          </p:cNvPicPr>
+          <p:nvPr>
+            <p:ph type="pic" idx="1"/>
+          </p:nvPr>
+        </p:nvPicPr>
+        <p:blipFill>
+          <a:blip r:embed="rId2">
+            <a:extLst>
+              <a:ext uri="{28A0092B-C50C-407E-A947-70E740481C1C}">
+                <a14:useLocalDpi xmlns:a14="http://schemas.microsoft.com/office/drawing/2010/main" val="0"/>
+              </a:ext>
+            </a:extLst>
+          </a:blip>
+          <a:srcRect t="3483" b="3483"/>
+          <a:stretch>
+            <a:fillRect/>
+          </a:stretch>
+        </p:blipFill>
         <p:spPr>
           <a:xfrm>
-            <a:off x="838200" y="841952"/>
-            <a:ext cx="10515600" cy="4990812"/>
+            <a:off x="1076276" y="1697034"/>
+            <a:ext cx="10105972" cy="3335869"/>
           </a:xfrm>
         </p:spPr>
-        <p:txBody>
-          <a:bodyPr/>
-          <a:lstStyle/>
-          <a:p>
-            <a:pPr marL="0" indent="0">
-              <a:buNone/>
-            </a:pPr>
-            <a:r>
-              <a:rPr lang="en-GB" dirty="0" smtClean="0"/>
-              <a:t>2</a:t>
-            </a:r>
-            <a:r>
-              <a:rPr lang="en-GB" b="1" dirty="0" smtClean="0">
-                <a:solidFill>
-                  <a:srgbClr val="7030A0"/>
-                </a:solidFill>
-                <a:effectLst>
-                  <a:outerShdw blurRad="38100" dist="38100" dir="2700000" algn="tl">
-                    <a:srgbClr val="000000">
-                      <a:alpha val="43137"/>
-                    </a:srgbClr>
-                  </a:outerShdw>
-                </a:effectLst>
-              </a:rPr>
-              <a:t>. Double Linked List</a:t>
-            </a:r>
-          </a:p>
-          <a:p>
-            <a:pPr>
-              <a:buFont typeface="Wingdings" panose="05000000000000000000" pitchFamily="2" charset="2"/>
-              <a:buChar char="Ø"/>
-            </a:pPr>
-            <a:r>
-              <a:rPr lang="en-GB" dirty="0" smtClean="0"/>
-              <a:t>Each node has pointer to both the next and the previous node.</a:t>
-            </a:r>
-          </a:p>
-          <a:p>
-            <a:pPr>
-              <a:buFont typeface="Wingdings" panose="05000000000000000000" pitchFamily="2" charset="2"/>
-              <a:buChar char="Ø"/>
-            </a:pPr>
-            <a:r>
-              <a:rPr lang="en-GB" dirty="0" smtClean="0"/>
-              <a:t>Allow bidirectional traversal.</a:t>
-            </a:r>
-          </a:p>
-          <a:p>
-            <a:pPr>
-              <a:buFont typeface="Wingdings" panose="05000000000000000000" pitchFamily="2" charset="2"/>
-              <a:buChar char="Ø"/>
-            </a:pPr>
-            <a:r>
-              <a:rPr lang="en-GB" b="1" dirty="0" err="1" smtClean="0"/>
-              <a:t>Struct</a:t>
-            </a:r>
-            <a:r>
-              <a:rPr lang="en-GB" b="1" dirty="0" smtClean="0"/>
-              <a:t> node</a:t>
-            </a:r>
-          </a:p>
-          <a:p>
-            <a:pPr marL="0" indent="0">
-              <a:buNone/>
-            </a:pPr>
-            <a:r>
-              <a:rPr lang="en-GB" b="1" dirty="0" smtClean="0"/>
-              <a:t>                 {</a:t>
-            </a:r>
-          </a:p>
-          <a:p>
-            <a:pPr marL="0" indent="0">
-              <a:buNone/>
-            </a:pPr>
-            <a:r>
-              <a:rPr lang="en-GB" b="1" dirty="0" smtClean="0"/>
-              <a:t>                    </a:t>
-            </a:r>
-            <a:r>
-              <a:rPr lang="en-GB" b="1" dirty="0" err="1" smtClean="0"/>
-              <a:t>int</a:t>
-            </a:r>
-            <a:r>
-              <a:rPr lang="en-GB" b="1" dirty="0" smtClean="0"/>
-              <a:t> data;</a:t>
-            </a:r>
-          </a:p>
-          <a:p>
-            <a:pPr marL="0" indent="0">
-              <a:buNone/>
-            </a:pPr>
-            <a:r>
-              <a:rPr lang="en-GB" b="1" dirty="0" smtClean="0"/>
-              <a:t>                    node* next;</a:t>
-            </a:r>
-          </a:p>
-          <a:p>
-            <a:pPr marL="0" indent="0">
-              <a:buNone/>
-            </a:pPr>
-            <a:r>
-              <a:rPr lang="en-GB" b="1" dirty="0" smtClean="0"/>
-              <a:t>                    node* </a:t>
-            </a:r>
-            <a:r>
-              <a:rPr lang="en-GB" b="1" dirty="0" err="1" smtClean="0"/>
-              <a:t>prev</a:t>
-            </a:r>
-            <a:r>
-              <a:rPr lang="en-GB" b="1" dirty="0" smtClean="0"/>
-              <a:t>;</a:t>
-            </a:r>
-          </a:p>
-          <a:p>
-            <a:pPr marL="0" indent="0">
-              <a:buNone/>
-            </a:pPr>
-            <a:r>
-              <a:rPr lang="en-GB" b="1" dirty="0" smtClean="0"/>
-              <a:t>                }</a:t>
-            </a:r>
-          </a:p>
-          <a:p>
-            <a:pPr marL="0" indent="0">
-              <a:buNone/>
-            </a:pPr>
-            <a:endParaRPr lang="en-IN" dirty="0"/>
-          </a:p>
-        </p:txBody>
-      </p:sp>
+      </p:pic>
     </p:spTree>
     <p:extLst>
       <p:ext uri="{BB962C8B-B14F-4D97-AF65-F5344CB8AC3E}">
-        <p14:creationId xmlns:p14="http://schemas.microsoft.com/office/powerpoint/2010/main" val="359960106"/>
+        <p14:creationId xmlns:p14="http://schemas.microsoft.com/office/powerpoint/2010/main" val="2359117386"/>
       </p:ext>
     </p:extLst>
   </p:cSld>
@@ -8204,8 +8574,8 @@
         </p:nvSpPr>
         <p:spPr>
           <a:xfrm>
-            <a:off x="879763" y="689551"/>
-            <a:ext cx="10515600" cy="5420303"/>
+            <a:off x="838200" y="841952"/>
+            <a:ext cx="10515600" cy="4990812"/>
           </a:xfrm>
         </p:spPr>
         <p:txBody>
@@ -8217,10 +8587,10 @@
             </a:pPr>
             <a:r>
               <a:rPr lang="en-GB" dirty="0" smtClean="0"/>
-              <a:t>3. </a:t>
-            </a:r>
-            <a:r>
-              <a:rPr lang="en-IN" b="1" dirty="0" smtClean="0">
+              <a:t>2</a:t>
+            </a:r>
+            <a:r>
+              <a:rPr lang="en-GB" b="1" dirty="0" smtClean="0">
                 <a:solidFill>
                   <a:srgbClr val="7030A0"/>
                 </a:solidFill>
@@ -8232,38 +8602,8 @@
                   </a:outerShdw>
                 </a:effectLst>
               </a:rPr>
-              <a:t>Circular Linked list</a:t>
-            </a:r>
-          </a:p>
-          <a:p>
-            <a:pPr>
-              <a:buFont typeface="Wingdings" panose="05000000000000000000" pitchFamily="2" charset="2"/>
-              <a:buChar char="q"/>
-            </a:pPr>
-            <a:r>
-              <a:rPr lang="en-GB" dirty="0"/>
-              <a:t> </a:t>
-            </a:r>
-            <a:r>
-              <a:rPr lang="en-GB" dirty="0" smtClean="0"/>
-              <a:t>The last node points back to the first node.</a:t>
-            </a:r>
-          </a:p>
-          <a:p>
-            <a:pPr>
-              <a:buFont typeface="Wingdings" panose="05000000000000000000" pitchFamily="2" charset="2"/>
-              <a:buChar char="q"/>
-            </a:pPr>
-            <a:r>
-              <a:rPr lang="en-GB" dirty="0" smtClean="0"/>
-              <a:t>Useful for applications like round-robin scheduling.</a:t>
-            </a:r>
-          </a:p>
-          <a:p>
-            <a:pPr marL="0" indent="0">
-              <a:buNone/>
-            </a:pPr>
-            <a:endParaRPr lang="en-GB" dirty="0"/>
+              <a:t>. Double Linked List</a:t>
+            </a:r>
           </a:p>
           <a:p>
             <a:pPr>
@@ -8271,6 +8611,26 @@
               <a:buChar char="Ø"/>
             </a:pPr>
             <a:r>
+              <a:rPr lang="en-GB" dirty="0" smtClean="0"/>
+              <a:t>Each node has pointer to both the next and the previous node.</a:t>
+            </a:r>
+          </a:p>
+          <a:p>
+            <a:pPr>
+              <a:buFont typeface="Wingdings" panose="05000000000000000000" pitchFamily="2" charset="2"/>
+              <a:buChar char="Ø"/>
+            </a:pPr>
+            <a:r>
+              <a:rPr lang="en-GB" dirty="0" smtClean="0"/>
+              <a:t>Allow bidirectional traversal.</a:t>
+            </a:r>
+          </a:p>
+          <a:p>
+            <a:pPr>
+              <a:buFont typeface="Wingdings" panose="05000000000000000000" pitchFamily="2" charset="2"/>
+              <a:buChar char="Ø"/>
+            </a:pPr>
+            <a:r>
               <a:rPr lang="en-GB" b="1" dirty="0" err="1" smtClean="0"/>
               <a:t>Struct</a:t>
             </a:r>
@@ -8320,6 +8680,23 @@
             </a:pPr>
             <a:r>
               <a:rPr lang="en-GB" b="1" dirty="0" smtClean="0"/>
+              <a:t>                    node* </a:t>
+            </a:r>
+            <a:r>
+              <a:rPr lang="en-GB" b="1" dirty="0" err="1" smtClean="0"/>
+              <a:t>prev</a:t>
+            </a:r>
+            <a:r>
+              <a:rPr lang="en-GB" b="1" dirty="0" smtClean="0"/>
+              <a:t>;</a:t>
+            </a:r>
+          </a:p>
+          <a:p>
+            <a:pPr marL="0" indent="0">
+              <a:buNone/>
+            </a:pPr>
+            <a:r>
+              <a:rPr lang="en-GB" b="1" dirty="0" smtClean="0"/>
               <a:t>                }</a:t>
             </a:r>
           </a:p>
@@ -8327,14 +8704,14 @@
             <a:pPr marL="0" indent="0">
               <a:buNone/>
             </a:pPr>
-            <a:endParaRPr lang="en-GB" dirty="0" smtClean="0"/>
+            <a:endParaRPr lang="en-IN" dirty="0"/>
           </a:p>
         </p:txBody>
       </p:sp>
     </p:spTree>
     <p:extLst>
       <p:ext uri="{BB962C8B-B14F-4D97-AF65-F5344CB8AC3E}">
-        <p14:creationId xmlns:p14="http://schemas.microsoft.com/office/powerpoint/2010/main" val="454548919"/>
+        <p14:creationId xmlns:p14="http://schemas.microsoft.com/office/powerpoint/2010/main" val="359960106"/>
       </p:ext>
     </p:extLst>
   </p:cSld>
@@ -8361,168 +8738,40 @@
           <a:chExt cx="0" cy="0"/>
         </a:xfrm>
       </p:grpSpPr>
-      <p:sp>
-        <p:nvSpPr>
-          <p:cNvPr id="3" name="Content Placeholder 2"/>
-          <p:cNvSpPr>
-            <a:spLocks noGrp="1"/>
-          </p:cNvSpPr>
-          <p:nvPr>
-            <p:ph idx="1"/>
-          </p:nvPr>
-        </p:nvSpPr>
+      <p:pic>
+        <p:nvPicPr>
+          <p:cNvPr id="12" name="Picture Placeholder 11"/>
+          <p:cNvPicPr>
+            <a:picLocks noGrp="1" noChangeAspect="1"/>
+          </p:cNvPicPr>
+          <p:nvPr>
+            <p:ph type="pic" idx="1"/>
+          </p:nvPr>
+        </p:nvPicPr>
+        <p:blipFill>
+          <a:blip r:embed="rId2">
+            <a:extLst>
+              <a:ext uri="{28A0092B-C50C-407E-A947-70E740481C1C}">
+                <a14:useLocalDpi xmlns:a14="http://schemas.microsoft.com/office/drawing/2010/main" val="0"/>
+              </a:ext>
+            </a:extLst>
+          </a:blip>
+          <a:srcRect t="239" b="239"/>
+          <a:stretch>
+            <a:fillRect/>
+          </a:stretch>
+        </p:blipFill>
         <p:spPr>
           <a:xfrm>
-            <a:off x="824346" y="775854"/>
-            <a:ext cx="10647218" cy="5484236"/>
+            <a:off x="1012398" y="1636485"/>
+            <a:ext cx="10105972" cy="3335869"/>
           </a:xfrm>
         </p:spPr>
-        <p:txBody>
-          <a:bodyPr>
-            <a:normAutofit lnSpcReduction="10000"/>
-          </a:bodyPr>
-          <a:lstStyle/>
-          <a:p>
-            <a:pPr marL="0" indent="0">
-              <a:buNone/>
-            </a:pPr>
-            <a:r>
-              <a:rPr lang="en-GB" dirty="0" smtClean="0"/>
-              <a:t>4. </a:t>
-            </a:r>
-            <a:r>
-              <a:rPr lang="en-GB" b="1" dirty="0" smtClean="0">
-                <a:solidFill>
-                  <a:srgbClr val="7030A0"/>
-                </a:solidFill>
-                <a:effectLst>
-                  <a:outerShdw blurRad="38100" dist="38100" dir="2700000" algn="tl">
-                    <a:srgbClr val="000000">
-                      <a:alpha val="43137"/>
-                    </a:srgbClr>
-                  </a:outerShdw>
-                </a:effectLst>
-              </a:rPr>
-              <a:t>Doubly Circular Linked list</a:t>
-            </a:r>
-          </a:p>
-          <a:p>
-            <a:pPr>
-              <a:buFont typeface="Wingdings" panose="05000000000000000000" pitchFamily="2" charset="2"/>
-              <a:buChar char="Ø"/>
-            </a:pPr>
-            <a:r>
-              <a:rPr lang="en-GB" dirty="0"/>
-              <a:t> </a:t>
-            </a:r>
-            <a:r>
-              <a:rPr lang="en-GB" dirty="0" smtClean="0"/>
-              <a:t>Combines features of both circular and doubly linked list.</a:t>
-            </a:r>
-          </a:p>
-          <a:p>
-            <a:pPr>
-              <a:buFont typeface="Wingdings" panose="05000000000000000000" pitchFamily="2" charset="2"/>
-              <a:buChar char="Ø"/>
-            </a:pPr>
-            <a:r>
-              <a:rPr lang="en-GB" dirty="0" smtClean="0"/>
-              <a:t>Each node had pointer to both the next and the previous nodes, and the last node points back to the first node.</a:t>
-            </a:r>
-          </a:p>
-          <a:p>
-            <a:pPr marL="0" indent="0">
-              <a:buNone/>
-            </a:pPr>
-            <a:endParaRPr lang="en-GB" dirty="0" smtClean="0"/>
-          </a:p>
-          <a:p>
-            <a:pPr>
-              <a:buFont typeface="Wingdings" panose="05000000000000000000" pitchFamily="2" charset="2"/>
-              <a:buChar char="Ø"/>
-            </a:pPr>
-            <a:r>
-              <a:rPr lang="en-GB" b="1" dirty="0" err="1" smtClean="0"/>
-              <a:t>Struct</a:t>
-            </a:r>
-            <a:r>
-              <a:rPr lang="en-GB" b="1" dirty="0" smtClean="0"/>
-              <a:t> node</a:t>
-            </a:r>
-          </a:p>
-          <a:p>
-            <a:pPr marL="0" indent="0">
-              <a:buNone/>
-            </a:pPr>
-            <a:r>
-              <a:rPr lang="en-GB" b="1" dirty="0" smtClean="0"/>
-              <a:t>                 {</a:t>
-            </a:r>
-          </a:p>
-          <a:p>
-            <a:pPr marL="0" indent="0">
-              <a:buNone/>
-            </a:pPr>
-            <a:r>
-              <a:rPr lang="en-GB" b="1" dirty="0" smtClean="0"/>
-              <a:t>                    </a:t>
-            </a:r>
-            <a:r>
-              <a:rPr lang="en-GB" b="1" dirty="0" err="1" smtClean="0"/>
-              <a:t>int</a:t>
-            </a:r>
-            <a:r>
-              <a:rPr lang="en-GB" b="1" dirty="0" smtClean="0"/>
-              <a:t> data;</a:t>
-            </a:r>
-          </a:p>
-          <a:p>
-            <a:pPr marL="0" indent="0">
-              <a:buNone/>
-            </a:pPr>
-            <a:r>
-              <a:rPr lang="en-GB" b="1" dirty="0" smtClean="0"/>
-              <a:t>                    node* next;</a:t>
-            </a:r>
-          </a:p>
-          <a:p>
-            <a:pPr marL="0" indent="0">
-              <a:buNone/>
-            </a:pPr>
-            <a:r>
-              <a:rPr lang="en-GB" b="1" dirty="0" smtClean="0"/>
-              <a:t>                    node* </a:t>
-            </a:r>
-            <a:r>
-              <a:rPr lang="en-GB" b="1" dirty="0" err="1" smtClean="0"/>
-              <a:t>prev</a:t>
-            </a:r>
-            <a:r>
-              <a:rPr lang="en-GB" b="1" dirty="0" smtClean="0"/>
-              <a:t>;</a:t>
-            </a:r>
-          </a:p>
-          <a:p>
-            <a:pPr marL="0" indent="0">
-              <a:buNone/>
-            </a:pPr>
-            <a:r>
-              <a:rPr lang="en-GB" b="1" dirty="0" smtClean="0"/>
-              <a:t>                }</a:t>
-            </a:r>
-          </a:p>
-          <a:p>
-            <a:pPr marL="0" indent="0">
-              <a:buNone/>
-            </a:pPr>
-            <a:endParaRPr lang="en-GB" dirty="0" smtClean="0"/>
-          </a:p>
-        </p:txBody>
-      </p:sp>
+      </p:pic>
     </p:spTree>
     <p:extLst>
       <p:ext uri="{BB962C8B-B14F-4D97-AF65-F5344CB8AC3E}">
-        <p14:creationId xmlns:p14="http://schemas.microsoft.com/office/powerpoint/2010/main" val="301615863"/>
+        <p14:creationId xmlns:p14="http://schemas.microsoft.com/office/powerpoint/2010/main" val="2016080575"/>
       </p:ext>
     </p:extLst>
   </p:cSld>
